--- a/example.pptx
+++ b/example.pptx
@@ -6,6 +6,7 @@
   </p:sldMasterIdLst>
   <p:sldIdLst>
     <p:sldId id="257" r:id="rId2"/>
+    <p:sldId id="258" r:id="rId3"/>
   </p:sldIdLst>
   <p:sldSz cx="12192000" cy="6858000"/>
   <p:notesSz cx="6858000" cy="9144000"/>
@@ -259,7 +260,7 @@
           <a:p>
             <a:fld id="{C5AAA47F-A216-4C74-9267-F518211BD4EC}" type="datetimeFigureOut">
               <a:rPr lang="en-US" smtClean="0"/>
-              <a:t>5/6/2021</a:t>
+              <a:t>6/1/2021</a:t>
             </a:fld>
             <a:endParaRPr lang="en-US"/>
           </a:p>
@@ -457,7 +458,7 @@
           <a:p>
             <a:fld id="{C5AAA47F-A216-4C74-9267-F518211BD4EC}" type="datetimeFigureOut">
               <a:rPr lang="en-US" smtClean="0"/>
-              <a:t>5/6/2021</a:t>
+              <a:t>6/1/2021</a:t>
             </a:fld>
             <a:endParaRPr lang="en-US"/>
           </a:p>
@@ -665,7 +666,7 @@
           <a:p>
             <a:fld id="{C5AAA47F-A216-4C74-9267-F518211BD4EC}" type="datetimeFigureOut">
               <a:rPr lang="en-US" smtClean="0"/>
-              <a:t>5/6/2021</a:t>
+              <a:t>6/1/2021</a:t>
             </a:fld>
             <a:endParaRPr lang="en-US"/>
           </a:p>
@@ -863,7 +864,7 @@
           <a:p>
             <a:fld id="{C5AAA47F-A216-4C74-9267-F518211BD4EC}" type="datetimeFigureOut">
               <a:rPr lang="en-US" smtClean="0"/>
-              <a:t>5/6/2021</a:t>
+              <a:t>6/1/2021</a:t>
             </a:fld>
             <a:endParaRPr lang="en-US"/>
           </a:p>
@@ -1138,7 +1139,7 @@
           <a:p>
             <a:fld id="{C5AAA47F-A216-4C74-9267-F518211BD4EC}" type="datetimeFigureOut">
               <a:rPr lang="en-US" smtClean="0"/>
-              <a:t>5/6/2021</a:t>
+              <a:t>6/1/2021</a:t>
             </a:fld>
             <a:endParaRPr lang="en-US"/>
           </a:p>
@@ -1403,7 +1404,7 @@
           <a:p>
             <a:fld id="{C5AAA47F-A216-4C74-9267-F518211BD4EC}" type="datetimeFigureOut">
               <a:rPr lang="en-US" smtClean="0"/>
-              <a:t>5/6/2021</a:t>
+              <a:t>6/1/2021</a:t>
             </a:fld>
             <a:endParaRPr lang="en-US"/>
           </a:p>
@@ -1815,7 +1816,7 @@
           <a:p>
             <a:fld id="{C5AAA47F-A216-4C74-9267-F518211BD4EC}" type="datetimeFigureOut">
               <a:rPr lang="en-US" smtClean="0"/>
-              <a:t>5/6/2021</a:t>
+              <a:t>6/1/2021</a:t>
             </a:fld>
             <a:endParaRPr lang="en-US"/>
           </a:p>
@@ -1956,7 +1957,7 @@
           <a:p>
             <a:fld id="{C5AAA47F-A216-4C74-9267-F518211BD4EC}" type="datetimeFigureOut">
               <a:rPr lang="en-US" smtClean="0"/>
-              <a:t>5/6/2021</a:t>
+              <a:t>6/1/2021</a:t>
             </a:fld>
             <a:endParaRPr lang="en-US"/>
           </a:p>
@@ -2069,7 +2070,7 @@
           <a:p>
             <a:fld id="{C5AAA47F-A216-4C74-9267-F518211BD4EC}" type="datetimeFigureOut">
               <a:rPr lang="en-US" smtClean="0"/>
-              <a:t>5/6/2021</a:t>
+              <a:t>6/1/2021</a:t>
             </a:fld>
             <a:endParaRPr lang="en-US"/>
           </a:p>
@@ -2380,7 +2381,7 @@
           <a:p>
             <a:fld id="{C5AAA47F-A216-4C74-9267-F518211BD4EC}" type="datetimeFigureOut">
               <a:rPr lang="en-US" smtClean="0"/>
-              <a:t>5/6/2021</a:t>
+              <a:t>6/1/2021</a:t>
             </a:fld>
             <a:endParaRPr lang="en-US"/>
           </a:p>
@@ -2668,7 +2669,7 @@
           <a:p>
             <a:fld id="{C5AAA47F-A216-4C74-9267-F518211BD4EC}" type="datetimeFigureOut">
               <a:rPr lang="en-US" smtClean="0"/>
-              <a:t>5/6/2021</a:t>
+              <a:t>6/1/2021</a:t>
             </a:fld>
             <a:endParaRPr lang="en-US"/>
           </a:p>
@@ -2909,7 +2910,7 @@
           <a:p>
             <a:fld id="{C5AAA47F-A216-4C74-9267-F518211BD4EC}" type="datetimeFigureOut">
               <a:rPr lang="en-US" smtClean="0"/>
-              <a:t>5/6/2021</a:t>
+              <a:t>6/1/2021</a:t>
             </a:fld>
             <a:endParaRPr lang="en-US"/>
           </a:p>
@@ -4563,6 +4564,1235 @@
 </p:sld>
 </file>
 
+<file path=ppt/slides/slide2.xml><?xml version="1.0" encoding="utf-8"?>
+<p:sld xmlns:a="http://schemas.openxmlformats.org/drawingml/2006/main" xmlns:r="http://schemas.openxmlformats.org/officeDocument/2006/relationships" xmlns:p="http://schemas.openxmlformats.org/presentationml/2006/main">
+  <p:cSld>
+    <p:spTree>
+      <p:nvGrpSpPr>
+        <p:cNvPr id="1" name=""/>
+        <p:cNvGrpSpPr/>
+        <p:nvPr/>
+      </p:nvGrpSpPr>
+      <p:grpSpPr>
+        <a:xfrm>
+          <a:off x="0" y="0"/>
+          <a:ext cx="0" cy="0"/>
+          <a:chOff x="0" y="0"/>
+          <a:chExt cx="0" cy="0"/>
+        </a:xfrm>
+      </p:grpSpPr>
+      <p:sp>
+        <p:nvSpPr>
+          <p:cNvPr id="4" name="Oval 3">
+            <a:extLst>
+              <a:ext uri="{FF2B5EF4-FFF2-40B4-BE49-F238E27FC236}">
+                <a16:creationId xmlns:a16="http://schemas.microsoft.com/office/drawing/2014/main" id="{9E0F129E-4DC6-402D-8123-510FAAC37D1C}"/>
+              </a:ext>
+            </a:extLst>
+          </p:cNvPr>
+          <p:cNvSpPr/>
+          <p:nvPr/>
+        </p:nvSpPr>
+        <p:spPr>
+          <a:xfrm>
+            <a:off x="692458" y="1944210"/>
+            <a:ext cx="1233996" cy="1260629"/>
+          </a:xfrm>
+          <a:prstGeom prst="ellipse">
+            <a:avLst/>
+          </a:prstGeom>
+          <a:noFill/>
+        </p:spPr>
+        <p:style>
+          <a:lnRef idx="2">
+            <a:schemeClr val="accent1">
+              <a:shade val="50000"/>
+            </a:schemeClr>
+          </a:lnRef>
+          <a:fillRef idx="1">
+            <a:schemeClr val="accent1"/>
+          </a:fillRef>
+          <a:effectRef idx="0">
+            <a:schemeClr val="accent1"/>
+          </a:effectRef>
+          <a:fontRef idx="minor">
+            <a:schemeClr val="lt1"/>
+          </a:fontRef>
+        </p:style>
+        <p:txBody>
+          <a:bodyPr rtlCol="0" anchor="ctr"/>
+          <a:lstStyle/>
+          <a:p>
+            <a:pPr algn="ctr"/>
+            <a:endParaRPr lang="en-US"/>
+          </a:p>
+        </p:txBody>
+      </p:sp>
+      <p:cxnSp>
+        <p:nvCxnSpPr>
+          <p:cNvPr id="6" name="Straight Arrow Connector 5">
+            <a:extLst>
+              <a:ext uri="{FF2B5EF4-FFF2-40B4-BE49-F238E27FC236}">
+                <a16:creationId xmlns:a16="http://schemas.microsoft.com/office/drawing/2014/main" id="{F30753C8-FC4F-45C5-8477-56B02DEB7D2D}"/>
+              </a:ext>
+            </a:extLst>
+          </p:cNvPr>
+          <p:cNvCxnSpPr>
+            <a:cxnSpLocks/>
+            <a:stCxn id="4" idx="5"/>
+            <a:endCxn id="7" idx="2"/>
+          </p:cNvCxnSpPr>
+          <p:nvPr/>
+        </p:nvCxnSpPr>
+        <p:spPr>
+          <a:xfrm>
+            <a:off x="1745739" y="3020224"/>
+            <a:ext cx="1974005" cy="2254020"/>
+          </a:xfrm>
+          <a:prstGeom prst="straightConnector1">
+            <a:avLst/>
+          </a:prstGeom>
+          <a:ln>
+            <a:tailEnd type="triangle"/>
+          </a:ln>
+        </p:spPr>
+        <p:style>
+          <a:lnRef idx="1">
+            <a:schemeClr val="accent1"/>
+          </a:lnRef>
+          <a:fillRef idx="0">
+            <a:schemeClr val="accent1"/>
+          </a:fillRef>
+          <a:effectRef idx="0">
+            <a:schemeClr val="accent1"/>
+          </a:effectRef>
+          <a:fontRef idx="minor">
+            <a:schemeClr val="tx1"/>
+          </a:fontRef>
+        </p:style>
+      </p:cxnSp>
+      <p:sp>
+        <p:nvSpPr>
+          <p:cNvPr id="7" name="Oval 6">
+            <a:extLst>
+              <a:ext uri="{FF2B5EF4-FFF2-40B4-BE49-F238E27FC236}">
+                <a16:creationId xmlns:a16="http://schemas.microsoft.com/office/drawing/2014/main" id="{75F40870-A5B7-4CDA-B771-8D84C64A33FF}"/>
+              </a:ext>
+            </a:extLst>
+          </p:cNvPr>
+          <p:cNvSpPr/>
+          <p:nvPr/>
+        </p:nvSpPr>
+        <p:spPr>
+          <a:xfrm>
+            <a:off x="3719744" y="4643929"/>
+            <a:ext cx="1233996" cy="1260629"/>
+          </a:xfrm>
+          <a:prstGeom prst="ellipse">
+            <a:avLst/>
+          </a:prstGeom>
+          <a:noFill/>
+        </p:spPr>
+        <p:style>
+          <a:lnRef idx="2">
+            <a:schemeClr val="accent1">
+              <a:shade val="50000"/>
+            </a:schemeClr>
+          </a:lnRef>
+          <a:fillRef idx="1">
+            <a:schemeClr val="accent1"/>
+          </a:fillRef>
+          <a:effectRef idx="0">
+            <a:schemeClr val="accent1"/>
+          </a:effectRef>
+          <a:fontRef idx="minor">
+            <a:schemeClr val="lt1"/>
+          </a:fontRef>
+        </p:style>
+        <p:txBody>
+          <a:bodyPr rtlCol="0" anchor="ctr"/>
+          <a:lstStyle/>
+          <a:p>
+            <a:pPr algn="ctr"/>
+            <a:endParaRPr lang="en-US"/>
+          </a:p>
+        </p:txBody>
+      </p:sp>
+      <p:sp>
+        <p:nvSpPr>
+          <p:cNvPr id="8" name="Oval 7">
+            <a:extLst>
+              <a:ext uri="{FF2B5EF4-FFF2-40B4-BE49-F238E27FC236}">
+                <a16:creationId xmlns:a16="http://schemas.microsoft.com/office/drawing/2014/main" id="{A84B050C-4BEB-4522-9714-FD5DF736DD6D}"/>
+              </a:ext>
+            </a:extLst>
+          </p:cNvPr>
+          <p:cNvSpPr/>
+          <p:nvPr/>
+        </p:nvSpPr>
+        <p:spPr>
+          <a:xfrm>
+            <a:off x="3826276" y="323127"/>
+            <a:ext cx="1233996" cy="1260629"/>
+          </a:xfrm>
+          <a:prstGeom prst="ellipse">
+            <a:avLst/>
+          </a:prstGeom>
+          <a:noFill/>
+        </p:spPr>
+        <p:style>
+          <a:lnRef idx="2">
+            <a:schemeClr val="accent1">
+              <a:shade val="50000"/>
+            </a:schemeClr>
+          </a:lnRef>
+          <a:fillRef idx="1">
+            <a:schemeClr val="accent1"/>
+          </a:fillRef>
+          <a:effectRef idx="0">
+            <a:schemeClr val="accent1"/>
+          </a:effectRef>
+          <a:fontRef idx="minor">
+            <a:schemeClr val="lt1"/>
+          </a:fontRef>
+        </p:style>
+        <p:txBody>
+          <a:bodyPr rtlCol="0" anchor="ctr"/>
+          <a:lstStyle/>
+          <a:p>
+            <a:pPr algn="ctr"/>
+            <a:endParaRPr lang="en-US"/>
+          </a:p>
+        </p:txBody>
+      </p:sp>
+      <p:sp>
+        <p:nvSpPr>
+          <p:cNvPr id="9" name="Oval 8">
+            <a:extLst>
+              <a:ext uri="{FF2B5EF4-FFF2-40B4-BE49-F238E27FC236}">
+                <a16:creationId xmlns:a16="http://schemas.microsoft.com/office/drawing/2014/main" id="{893A8A11-9553-4412-9E85-A0752595CA6E}"/>
+              </a:ext>
+            </a:extLst>
+          </p:cNvPr>
+          <p:cNvSpPr/>
+          <p:nvPr/>
+        </p:nvSpPr>
+        <p:spPr>
+          <a:xfrm>
+            <a:off x="3826276" y="2483528"/>
+            <a:ext cx="1233996" cy="1260629"/>
+          </a:xfrm>
+          <a:prstGeom prst="ellipse">
+            <a:avLst/>
+          </a:prstGeom>
+          <a:noFill/>
+        </p:spPr>
+        <p:style>
+          <a:lnRef idx="2">
+            <a:schemeClr val="accent1">
+              <a:shade val="50000"/>
+            </a:schemeClr>
+          </a:lnRef>
+          <a:fillRef idx="1">
+            <a:schemeClr val="accent1"/>
+          </a:fillRef>
+          <a:effectRef idx="0">
+            <a:schemeClr val="accent1"/>
+          </a:effectRef>
+          <a:fontRef idx="minor">
+            <a:schemeClr val="lt1"/>
+          </a:fontRef>
+        </p:style>
+        <p:txBody>
+          <a:bodyPr rtlCol="0" anchor="ctr"/>
+          <a:lstStyle/>
+          <a:p>
+            <a:pPr algn="ctr"/>
+            <a:endParaRPr lang="en-US"/>
+          </a:p>
+        </p:txBody>
+      </p:sp>
+      <p:cxnSp>
+        <p:nvCxnSpPr>
+          <p:cNvPr id="12" name="Straight Arrow Connector 11">
+            <a:extLst>
+              <a:ext uri="{FF2B5EF4-FFF2-40B4-BE49-F238E27FC236}">
+                <a16:creationId xmlns:a16="http://schemas.microsoft.com/office/drawing/2014/main" id="{2DC71B34-A1AB-41AD-99E3-FAF9B164AFE9}"/>
+              </a:ext>
+            </a:extLst>
+          </p:cNvPr>
+          <p:cNvCxnSpPr>
+            <a:stCxn id="4" idx="6"/>
+            <a:endCxn id="9" idx="2"/>
+          </p:cNvCxnSpPr>
+          <p:nvPr/>
+        </p:nvCxnSpPr>
+        <p:spPr>
+          <a:xfrm>
+            <a:off x="1926454" y="2574525"/>
+            <a:ext cx="1899822" cy="539318"/>
+          </a:xfrm>
+          <a:prstGeom prst="straightConnector1">
+            <a:avLst/>
+          </a:prstGeom>
+          <a:ln>
+            <a:tailEnd type="triangle"/>
+          </a:ln>
+        </p:spPr>
+        <p:style>
+          <a:lnRef idx="1">
+            <a:schemeClr val="accent1"/>
+          </a:lnRef>
+          <a:fillRef idx="0">
+            <a:schemeClr val="accent1"/>
+          </a:fillRef>
+          <a:effectRef idx="0">
+            <a:schemeClr val="accent1"/>
+          </a:effectRef>
+          <a:fontRef idx="minor">
+            <a:schemeClr val="tx1"/>
+          </a:fontRef>
+        </p:style>
+      </p:cxnSp>
+      <p:cxnSp>
+        <p:nvCxnSpPr>
+          <p:cNvPr id="14" name="Straight Arrow Connector 13">
+            <a:extLst>
+              <a:ext uri="{FF2B5EF4-FFF2-40B4-BE49-F238E27FC236}">
+                <a16:creationId xmlns:a16="http://schemas.microsoft.com/office/drawing/2014/main" id="{866AC40A-A8FC-478E-8403-39458251F54B}"/>
+              </a:ext>
+            </a:extLst>
+          </p:cNvPr>
+          <p:cNvCxnSpPr>
+            <a:stCxn id="4" idx="7"/>
+            <a:endCxn id="8" idx="2"/>
+          </p:cNvCxnSpPr>
+          <p:nvPr/>
+        </p:nvCxnSpPr>
+        <p:spPr>
+          <a:xfrm flipV="1">
+            <a:off x="1745739" y="953442"/>
+            <a:ext cx="2080537" cy="1175383"/>
+          </a:xfrm>
+          <a:prstGeom prst="straightConnector1">
+            <a:avLst/>
+          </a:prstGeom>
+          <a:ln>
+            <a:tailEnd type="triangle"/>
+          </a:ln>
+        </p:spPr>
+        <p:style>
+          <a:lnRef idx="1">
+            <a:schemeClr val="accent1"/>
+          </a:lnRef>
+          <a:fillRef idx="0">
+            <a:schemeClr val="accent1"/>
+          </a:fillRef>
+          <a:effectRef idx="0">
+            <a:schemeClr val="accent1"/>
+          </a:effectRef>
+          <a:fontRef idx="minor">
+            <a:schemeClr val="tx1"/>
+          </a:fontRef>
+        </p:style>
+      </p:cxnSp>
+      <p:sp>
+        <p:nvSpPr>
+          <p:cNvPr id="15" name="TextBox 14">
+            <a:extLst>
+              <a:ext uri="{FF2B5EF4-FFF2-40B4-BE49-F238E27FC236}">
+                <a16:creationId xmlns:a16="http://schemas.microsoft.com/office/drawing/2014/main" id="{CE26BEA7-E224-42E8-B306-55F29C6F1E76}"/>
+              </a:ext>
+            </a:extLst>
+          </p:cNvPr>
+          <p:cNvSpPr txBox="1"/>
+          <p:nvPr/>
+        </p:nvSpPr>
+        <p:spPr>
+          <a:xfrm rot="19817946">
+            <a:off x="1989875" y="991751"/>
+            <a:ext cx="1485733" cy="523220"/>
+          </a:xfrm>
+          <a:prstGeom prst="rect">
+            <a:avLst/>
+          </a:prstGeom>
+          <a:noFill/>
+        </p:spPr>
+        <p:txBody>
+          <a:bodyPr wrap="square" rtlCol="0">
+            <a:spAutoFit/>
+          </a:bodyPr>
+          <a:lstStyle/>
+          <a:p>
+            <a:r>
+              <a:rPr lang="en-US" sz="1400" dirty="0"/>
+              <a:t>Play, win round 1</a:t>
+            </a:r>
+          </a:p>
+          <a:p>
+            <a:r>
+              <a:rPr lang="en-US" sz="1400" dirty="0"/>
+              <a:t>P = 0.5</a:t>
+            </a:r>
+          </a:p>
+        </p:txBody>
+      </p:sp>
+      <p:sp>
+        <p:nvSpPr>
+          <p:cNvPr id="16" name="TextBox 15">
+            <a:extLst>
+              <a:ext uri="{FF2B5EF4-FFF2-40B4-BE49-F238E27FC236}">
+                <a16:creationId xmlns:a16="http://schemas.microsoft.com/office/drawing/2014/main" id="{FABB7786-5958-4676-A5BC-EBDAE10C5372}"/>
+              </a:ext>
+            </a:extLst>
+          </p:cNvPr>
+          <p:cNvSpPr txBox="1"/>
+          <p:nvPr/>
+        </p:nvSpPr>
+        <p:spPr>
+          <a:xfrm rot="761580">
+            <a:off x="2301215" y="2267417"/>
+            <a:ext cx="1485733" cy="523220"/>
+          </a:xfrm>
+          <a:prstGeom prst="rect">
+            <a:avLst/>
+          </a:prstGeom>
+          <a:noFill/>
+        </p:spPr>
+        <p:txBody>
+          <a:bodyPr wrap="square" rtlCol="0">
+            <a:spAutoFit/>
+          </a:bodyPr>
+          <a:lstStyle/>
+          <a:p>
+            <a:r>
+              <a:rPr lang="en-US" sz="1400" dirty="0"/>
+              <a:t>Play, lose round 1</a:t>
+            </a:r>
+          </a:p>
+          <a:p>
+            <a:r>
+              <a:rPr lang="en-US" sz="1400" dirty="0"/>
+              <a:t>P = 0.5</a:t>
+            </a:r>
+          </a:p>
+        </p:txBody>
+      </p:sp>
+      <p:sp>
+        <p:nvSpPr>
+          <p:cNvPr id="17" name="TextBox 16">
+            <a:extLst>
+              <a:ext uri="{FF2B5EF4-FFF2-40B4-BE49-F238E27FC236}">
+                <a16:creationId xmlns:a16="http://schemas.microsoft.com/office/drawing/2014/main" id="{88440AD4-70FA-4030-9544-FB3C2E10CBB0}"/>
+              </a:ext>
+            </a:extLst>
+          </p:cNvPr>
+          <p:cNvSpPr txBox="1"/>
+          <p:nvPr/>
+        </p:nvSpPr>
+        <p:spPr>
+          <a:xfrm rot="2813981">
+            <a:off x="2331543" y="3838310"/>
+            <a:ext cx="1485733" cy="523220"/>
+          </a:xfrm>
+          <a:prstGeom prst="rect">
+            <a:avLst/>
+          </a:prstGeom>
+          <a:noFill/>
+        </p:spPr>
+        <p:txBody>
+          <a:bodyPr wrap="square" rtlCol="0">
+            <a:spAutoFit/>
+          </a:bodyPr>
+          <a:lstStyle/>
+          <a:p>
+            <a:r>
+              <a:rPr lang="en-US" sz="1400" dirty="0"/>
+              <a:t>Don’t, play</a:t>
+            </a:r>
+          </a:p>
+          <a:p>
+            <a:r>
+              <a:rPr lang="en-US" sz="1400" dirty="0"/>
+              <a:t>P = 1</a:t>
+            </a:r>
+          </a:p>
+        </p:txBody>
+      </p:sp>
+      <p:sp>
+        <p:nvSpPr>
+          <p:cNvPr id="18" name="TextBox 17">
+            <a:extLst>
+              <a:ext uri="{FF2B5EF4-FFF2-40B4-BE49-F238E27FC236}">
+                <a16:creationId xmlns:a16="http://schemas.microsoft.com/office/drawing/2014/main" id="{549037BF-9F43-4E45-91A9-DAAFA8FFDB22}"/>
+              </a:ext>
+            </a:extLst>
+          </p:cNvPr>
+          <p:cNvSpPr txBox="1"/>
+          <p:nvPr/>
+        </p:nvSpPr>
+        <p:spPr>
+          <a:xfrm>
+            <a:off x="930234" y="2097471"/>
+            <a:ext cx="969587" cy="954107"/>
+          </a:xfrm>
+          <a:prstGeom prst="rect">
+            <a:avLst/>
+          </a:prstGeom>
+          <a:noFill/>
+        </p:spPr>
+        <p:txBody>
+          <a:bodyPr wrap="square" rtlCol="0">
+            <a:spAutoFit/>
+          </a:bodyPr>
+          <a:lstStyle/>
+          <a:p>
+            <a:r>
+              <a:rPr lang="en-US" sz="1400" b="1" dirty="0"/>
+              <a:t>State 0</a:t>
+            </a:r>
+          </a:p>
+          <a:p>
+            <a:r>
+              <a:rPr lang="en-US" sz="1400" dirty="0"/>
+              <a:t>Choice: play/no play</a:t>
+            </a:r>
+          </a:p>
+        </p:txBody>
+      </p:sp>
+      <p:sp>
+        <p:nvSpPr>
+          <p:cNvPr id="19" name="TextBox 18">
+            <a:extLst>
+              <a:ext uri="{FF2B5EF4-FFF2-40B4-BE49-F238E27FC236}">
+                <a16:creationId xmlns:a16="http://schemas.microsoft.com/office/drawing/2014/main" id="{9DD707F2-F9F0-455F-A03B-A146E89556A5}"/>
+              </a:ext>
+            </a:extLst>
+          </p:cNvPr>
+          <p:cNvSpPr txBox="1"/>
+          <p:nvPr/>
+        </p:nvSpPr>
+        <p:spPr>
+          <a:xfrm>
+            <a:off x="3910931" y="4865980"/>
+            <a:ext cx="969587" cy="738664"/>
+          </a:xfrm>
+          <a:prstGeom prst="rect">
+            <a:avLst/>
+          </a:prstGeom>
+          <a:noFill/>
+        </p:spPr>
+        <p:txBody>
+          <a:bodyPr wrap="square" rtlCol="0">
+            <a:spAutoFit/>
+          </a:bodyPr>
+          <a:lstStyle/>
+          <a:p>
+            <a:r>
+              <a:rPr lang="en-US" sz="1400" b="1" dirty="0"/>
+              <a:t>State 3</a:t>
+            </a:r>
+          </a:p>
+          <a:p>
+            <a:r>
+              <a:rPr lang="en-US" sz="1400" dirty="0"/>
+              <a:t>No play</a:t>
+            </a:r>
+          </a:p>
+          <a:p>
+            <a:r>
+              <a:rPr lang="en-US" sz="1400" dirty="0"/>
+              <a:t>Reward=0</a:t>
+            </a:r>
+          </a:p>
+        </p:txBody>
+      </p:sp>
+      <p:sp>
+        <p:nvSpPr>
+          <p:cNvPr id="20" name="TextBox 19">
+            <a:extLst>
+              <a:ext uri="{FF2B5EF4-FFF2-40B4-BE49-F238E27FC236}">
+                <a16:creationId xmlns:a16="http://schemas.microsoft.com/office/drawing/2014/main" id="{A590B9D0-D127-434D-880F-3E909FFF9D15}"/>
+              </a:ext>
+            </a:extLst>
+          </p:cNvPr>
+          <p:cNvSpPr txBox="1"/>
+          <p:nvPr/>
+        </p:nvSpPr>
+        <p:spPr>
+          <a:xfrm>
+            <a:off x="4090685" y="476388"/>
+            <a:ext cx="863055" cy="1107996"/>
+          </a:xfrm>
+          <a:prstGeom prst="rect">
+            <a:avLst/>
+          </a:prstGeom>
+          <a:noFill/>
+        </p:spPr>
+        <p:txBody>
+          <a:bodyPr wrap="square" rtlCol="0">
+            <a:spAutoFit/>
+          </a:bodyPr>
+          <a:lstStyle/>
+          <a:p>
+            <a:r>
+              <a:rPr lang="en-US" sz="1400" b="1" dirty="0"/>
+              <a:t>State 1</a:t>
+            </a:r>
+          </a:p>
+          <a:p>
+            <a:r>
+              <a:rPr lang="en-US" sz="1300" dirty="0"/>
+              <a:t>Won </a:t>
+            </a:r>
+          </a:p>
+          <a:p>
+            <a:r>
+              <a:rPr lang="en-US" sz="1300" dirty="0"/>
+              <a:t>Choice: play/no play</a:t>
+            </a:r>
+          </a:p>
+        </p:txBody>
+      </p:sp>
+      <p:sp>
+        <p:nvSpPr>
+          <p:cNvPr id="21" name="TextBox 20">
+            <a:extLst>
+              <a:ext uri="{FF2B5EF4-FFF2-40B4-BE49-F238E27FC236}">
+                <a16:creationId xmlns:a16="http://schemas.microsoft.com/office/drawing/2014/main" id="{A68DE8B0-F4DA-4A53-A072-98FC66962EED}"/>
+              </a:ext>
+            </a:extLst>
+          </p:cNvPr>
+          <p:cNvSpPr txBox="1"/>
+          <p:nvPr/>
+        </p:nvSpPr>
+        <p:spPr>
+          <a:xfrm>
+            <a:off x="4037416" y="2636788"/>
+            <a:ext cx="1076119" cy="738664"/>
+          </a:xfrm>
+          <a:prstGeom prst="rect">
+            <a:avLst/>
+          </a:prstGeom>
+          <a:noFill/>
+        </p:spPr>
+        <p:txBody>
+          <a:bodyPr wrap="square" rtlCol="0">
+            <a:spAutoFit/>
+          </a:bodyPr>
+          <a:lstStyle/>
+          <a:p>
+            <a:r>
+              <a:rPr lang="en-US" sz="1400" b="1" dirty="0"/>
+              <a:t>State 2</a:t>
+            </a:r>
+          </a:p>
+          <a:p>
+            <a:r>
+              <a:rPr lang="en-US" sz="1400" dirty="0"/>
+              <a:t>Lost</a:t>
+            </a:r>
+          </a:p>
+          <a:p>
+            <a:r>
+              <a:rPr lang="en-US" sz="1400" dirty="0"/>
+              <a:t>Reward=-10</a:t>
+            </a:r>
+          </a:p>
+        </p:txBody>
+      </p:sp>
+      <p:sp>
+        <p:nvSpPr>
+          <p:cNvPr id="22" name="Oval 21">
+            <a:extLst>
+              <a:ext uri="{FF2B5EF4-FFF2-40B4-BE49-F238E27FC236}">
+                <a16:creationId xmlns:a16="http://schemas.microsoft.com/office/drawing/2014/main" id="{ECAA1557-6C6F-4932-A84D-5678AFA6FE2C}"/>
+              </a:ext>
+            </a:extLst>
+          </p:cNvPr>
+          <p:cNvSpPr/>
+          <p:nvPr/>
+        </p:nvSpPr>
+        <p:spPr>
+          <a:xfrm>
+            <a:off x="7423212" y="328137"/>
+            <a:ext cx="1233996" cy="1260629"/>
+          </a:xfrm>
+          <a:prstGeom prst="ellipse">
+            <a:avLst/>
+          </a:prstGeom>
+          <a:noFill/>
+        </p:spPr>
+        <p:style>
+          <a:lnRef idx="2">
+            <a:schemeClr val="accent1">
+              <a:shade val="50000"/>
+            </a:schemeClr>
+          </a:lnRef>
+          <a:fillRef idx="1">
+            <a:schemeClr val="accent1"/>
+          </a:fillRef>
+          <a:effectRef idx="0">
+            <a:schemeClr val="accent1"/>
+          </a:effectRef>
+          <a:fontRef idx="minor">
+            <a:schemeClr val="lt1"/>
+          </a:fontRef>
+        </p:style>
+        <p:txBody>
+          <a:bodyPr rtlCol="0" anchor="ctr"/>
+          <a:lstStyle/>
+          <a:p>
+            <a:pPr algn="ctr"/>
+            <a:endParaRPr lang="en-US"/>
+          </a:p>
+        </p:txBody>
+      </p:sp>
+      <p:sp>
+        <p:nvSpPr>
+          <p:cNvPr id="23" name="Oval 22">
+            <a:extLst>
+              <a:ext uri="{FF2B5EF4-FFF2-40B4-BE49-F238E27FC236}">
+                <a16:creationId xmlns:a16="http://schemas.microsoft.com/office/drawing/2014/main" id="{94C96703-6572-440A-872A-ECB1868CD0E2}"/>
+              </a:ext>
+            </a:extLst>
+          </p:cNvPr>
+          <p:cNvSpPr/>
+          <p:nvPr/>
+        </p:nvSpPr>
+        <p:spPr>
+          <a:xfrm>
+            <a:off x="7477956" y="1745491"/>
+            <a:ext cx="1233996" cy="1260629"/>
+          </a:xfrm>
+          <a:prstGeom prst="ellipse">
+            <a:avLst/>
+          </a:prstGeom>
+          <a:noFill/>
+        </p:spPr>
+        <p:style>
+          <a:lnRef idx="2">
+            <a:schemeClr val="accent1">
+              <a:shade val="50000"/>
+            </a:schemeClr>
+          </a:lnRef>
+          <a:fillRef idx="1">
+            <a:schemeClr val="accent1"/>
+          </a:fillRef>
+          <a:effectRef idx="0">
+            <a:schemeClr val="accent1"/>
+          </a:effectRef>
+          <a:fontRef idx="minor">
+            <a:schemeClr val="lt1"/>
+          </a:fontRef>
+        </p:style>
+        <p:txBody>
+          <a:bodyPr rtlCol="0" anchor="ctr"/>
+          <a:lstStyle/>
+          <a:p>
+            <a:pPr algn="ctr"/>
+            <a:endParaRPr lang="en-US"/>
+          </a:p>
+        </p:txBody>
+      </p:sp>
+      <p:cxnSp>
+        <p:nvCxnSpPr>
+          <p:cNvPr id="25" name="Straight Arrow Connector 24">
+            <a:extLst>
+              <a:ext uri="{FF2B5EF4-FFF2-40B4-BE49-F238E27FC236}">
+                <a16:creationId xmlns:a16="http://schemas.microsoft.com/office/drawing/2014/main" id="{97544E21-7CF1-4953-8E43-3F15C64C0EE9}"/>
+              </a:ext>
+            </a:extLst>
+          </p:cNvPr>
+          <p:cNvCxnSpPr>
+            <a:cxnSpLocks/>
+            <a:stCxn id="8" idx="6"/>
+            <a:endCxn id="22" idx="2"/>
+          </p:cNvCxnSpPr>
+          <p:nvPr/>
+        </p:nvCxnSpPr>
+        <p:spPr>
+          <a:xfrm>
+            <a:off x="5060272" y="953442"/>
+            <a:ext cx="2362940" cy="5010"/>
+          </a:xfrm>
+          <a:prstGeom prst="straightConnector1">
+            <a:avLst/>
+          </a:prstGeom>
+          <a:ln>
+            <a:tailEnd type="triangle"/>
+          </a:ln>
+        </p:spPr>
+        <p:style>
+          <a:lnRef idx="1">
+            <a:schemeClr val="accent1"/>
+          </a:lnRef>
+          <a:fillRef idx="0">
+            <a:schemeClr val="accent1"/>
+          </a:fillRef>
+          <a:effectRef idx="0">
+            <a:schemeClr val="accent1"/>
+          </a:effectRef>
+          <a:fontRef idx="minor">
+            <a:schemeClr val="tx1"/>
+          </a:fontRef>
+        </p:style>
+      </p:cxnSp>
+      <p:cxnSp>
+        <p:nvCxnSpPr>
+          <p:cNvPr id="27" name="Straight Arrow Connector 26">
+            <a:extLst>
+              <a:ext uri="{FF2B5EF4-FFF2-40B4-BE49-F238E27FC236}">
+                <a16:creationId xmlns:a16="http://schemas.microsoft.com/office/drawing/2014/main" id="{6FD95485-BD04-419E-93E2-7FBCE0BDA759}"/>
+              </a:ext>
+            </a:extLst>
+          </p:cNvPr>
+          <p:cNvCxnSpPr>
+            <a:cxnSpLocks/>
+            <a:stCxn id="8" idx="6"/>
+            <a:endCxn id="23" idx="2"/>
+          </p:cNvCxnSpPr>
+          <p:nvPr/>
+        </p:nvCxnSpPr>
+        <p:spPr>
+          <a:xfrm>
+            <a:off x="5060272" y="953442"/>
+            <a:ext cx="2417684" cy="1422364"/>
+          </a:xfrm>
+          <a:prstGeom prst="straightConnector1">
+            <a:avLst/>
+          </a:prstGeom>
+          <a:ln>
+            <a:tailEnd type="triangle"/>
+          </a:ln>
+        </p:spPr>
+        <p:style>
+          <a:lnRef idx="1">
+            <a:schemeClr val="accent1"/>
+          </a:lnRef>
+          <a:fillRef idx="0">
+            <a:schemeClr val="accent1"/>
+          </a:fillRef>
+          <a:effectRef idx="0">
+            <a:schemeClr val="accent1"/>
+          </a:effectRef>
+          <a:fontRef idx="minor">
+            <a:schemeClr val="tx1"/>
+          </a:fontRef>
+        </p:style>
+      </p:cxnSp>
+      <p:sp>
+        <p:nvSpPr>
+          <p:cNvPr id="28" name="TextBox 27">
+            <a:extLst>
+              <a:ext uri="{FF2B5EF4-FFF2-40B4-BE49-F238E27FC236}">
+                <a16:creationId xmlns:a16="http://schemas.microsoft.com/office/drawing/2014/main" id="{26F54C4A-F083-4DF5-B46D-50660391D0B5}"/>
+              </a:ext>
+            </a:extLst>
+          </p:cNvPr>
+          <p:cNvSpPr txBox="1"/>
+          <p:nvPr/>
+        </p:nvSpPr>
+        <p:spPr>
+          <a:xfrm>
+            <a:off x="7531219" y="584109"/>
+            <a:ext cx="1323216" cy="738664"/>
+          </a:xfrm>
+          <a:prstGeom prst="rect">
+            <a:avLst/>
+          </a:prstGeom>
+          <a:noFill/>
+        </p:spPr>
+        <p:txBody>
+          <a:bodyPr wrap="square" rtlCol="0">
+            <a:spAutoFit/>
+          </a:bodyPr>
+          <a:lstStyle/>
+          <a:p>
+            <a:r>
+              <a:rPr lang="en-US" sz="1400" b="1" dirty="0"/>
+              <a:t>State 4</a:t>
+            </a:r>
+          </a:p>
+          <a:p>
+            <a:r>
+              <a:rPr lang="en-US" sz="1400" dirty="0"/>
+              <a:t>Won, Won</a:t>
+            </a:r>
+          </a:p>
+          <a:p>
+            <a:r>
+              <a:rPr lang="en-US" sz="1400" dirty="0"/>
+              <a:t>Reward=100</a:t>
+            </a:r>
+          </a:p>
+        </p:txBody>
+      </p:sp>
+      <p:sp>
+        <p:nvSpPr>
+          <p:cNvPr id="30" name="TextBox 29">
+            <a:extLst>
+              <a:ext uri="{FF2B5EF4-FFF2-40B4-BE49-F238E27FC236}">
+                <a16:creationId xmlns:a16="http://schemas.microsoft.com/office/drawing/2014/main" id="{BE447D27-3A0F-445B-A2D7-18F38D48F6F1}"/>
+              </a:ext>
+            </a:extLst>
+          </p:cNvPr>
+          <p:cNvSpPr txBox="1"/>
+          <p:nvPr/>
+        </p:nvSpPr>
+        <p:spPr>
+          <a:xfrm>
+            <a:off x="7593999" y="1959746"/>
+            <a:ext cx="1233996" cy="738664"/>
+          </a:xfrm>
+          <a:prstGeom prst="rect">
+            <a:avLst/>
+          </a:prstGeom>
+          <a:noFill/>
+        </p:spPr>
+        <p:txBody>
+          <a:bodyPr wrap="square" rtlCol="0">
+            <a:spAutoFit/>
+          </a:bodyPr>
+          <a:lstStyle/>
+          <a:p>
+            <a:r>
+              <a:rPr lang="en-US" sz="1400" b="1" dirty="0"/>
+              <a:t>State 5</a:t>
+            </a:r>
+          </a:p>
+          <a:p>
+            <a:r>
+              <a:rPr lang="en-US" sz="1400" dirty="0"/>
+              <a:t>Won, Lost</a:t>
+            </a:r>
+          </a:p>
+          <a:p>
+            <a:r>
+              <a:rPr lang="en-US" sz="1400" dirty="0"/>
+              <a:t>Reward=-50</a:t>
+            </a:r>
+          </a:p>
+        </p:txBody>
+      </p:sp>
+      <p:sp>
+        <p:nvSpPr>
+          <p:cNvPr id="31" name="TextBox 30">
+            <a:extLst>
+              <a:ext uri="{FF2B5EF4-FFF2-40B4-BE49-F238E27FC236}">
+                <a16:creationId xmlns:a16="http://schemas.microsoft.com/office/drawing/2014/main" id="{48DA6532-D31A-4770-A64A-7AF60037CFB1}"/>
+              </a:ext>
+            </a:extLst>
+          </p:cNvPr>
+          <p:cNvSpPr txBox="1"/>
+          <p:nvPr/>
+        </p:nvSpPr>
+        <p:spPr>
+          <a:xfrm>
+            <a:off x="5879458" y="446619"/>
+            <a:ext cx="1485733" cy="523220"/>
+          </a:xfrm>
+          <a:prstGeom prst="rect">
+            <a:avLst/>
+          </a:prstGeom>
+          <a:noFill/>
+        </p:spPr>
+        <p:txBody>
+          <a:bodyPr wrap="square" rtlCol="0">
+            <a:spAutoFit/>
+          </a:bodyPr>
+          <a:lstStyle/>
+          <a:p>
+            <a:r>
+              <a:rPr lang="en-US" sz="1400" dirty="0"/>
+              <a:t>Play, win round 2</a:t>
+            </a:r>
+          </a:p>
+          <a:p>
+            <a:r>
+              <a:rPr lang="en-US" sz="1400" dirty="0"/>
+              <a:t>P = 0.5</a:t>
+            </a:r>
+          </a:p>
+        </p:txBody>
+      </p:sp>
+      <p:sp>
+        <p:nvSpPr>
+          <p:cNvPr id="32" name="TextBox 31">
+            <a:extLst>
+              <a:ext uri="{FF2B5EF4-FFF2-40B4-BE49-F238E27FC236}">
+                <a16:creationId xmlns:a16="http://schemas.microsoft.com/office/drawing/2014/main" id="{91E3E1AF-0FDC-44FD-A8D1-72348E45C4C1}"/>
+              </a:ext>
+            </a:extLst>
+          </p:cNvPr>
+          <p:cNvSpPr txBox="1"/>
+          <p:nvPr/>
+        </p:nvSpPr>
+        <p:spPr>
+          <a:xfrm rot="3135057">
+            <a:off x="5526885" y="2810329"/>
+            <a:ext cx="1612166" cy="523220"/>
+          </a:xfrm>
+          <a:prstGeom prst="rect">
+            <a:avLst/>
+          </a:prstGeom>
+          <a:noFill/>
+        </p:spPr>
+        <p:txBody>
+          <a:bodyPr wrap="square" rtlCol="0">
+            <a:spAutoFit/>
+          </a:bodyPr>
+          <a:lstStyle/>
+          <a:p>
+            <a:r>
+              <a:rPr lang="en-US" sz="1400" dirty="0"/>
+              <a:t>Don’t play round 2</a:t>
+            </a:r>
+          </a:p>
+          <a:p>
+            <a:r>
+              <a:rPr lang="en-US" sz="1400" dirty="0"/>
+              <a:t>P = 1</a:t>
+            </a:r>
+          </a:p>
+        </p:txBody>
+      </p:sp>
+      <p:sp>
+        <p:nvSpPr>
+          <p:cNvPr id="34" name="TextBox 33">
+            <a:extLst>
+              <a:ext uri="{FF2B5EF4-FFF2-40B4-BE49-F238E27FC236}">
+                <a16:creationId xmlns:a16="http://schemas.microsoft.com/office/drawing/2014/main" id="{6E9ADF2A-68A9-46B0-B6CB-F9E9DFB8F46C}"/>
+              </a:ext>
+            </a:extLst>
+          </p:cNvPr>
+          <p:cNvSpPr txBox="1"/>
+          <p:nvPr/>
+        </p:nvSpPr>
+        <p:spPr>
+          <a:xfrm>
+            <a:off x="338414" y="88363"/>
+            <a:ext cx="2796466" cy="861774"/>
+          </a:xfrm>
+          <a:prstGeom prst="rect">
+            <a:avLst/>
+          </a:prstGeom>
+          <a:noFill/>
+        </p:spPr>
+        <p:txBody>
+          <a:bodyPr wrap="square" rtlCol="0">
+            <a:spAutoFit/>
+          </a:bodyPr>
+          <a:lstStyle/>
+          <a:p>
+            <a:r>
+              <a:rPr lang="en-US" b="1" u="sng" dirty="0"/>
+              <a:t>Goal</a:t>
+            </a:r>
+          </a:p>
+          <a:p>
+            <a:r>
+              <a:rPr lang="en-US" sz="1400" dirty="0"/>
+              <a:t>Determine action from state 0 that maximizes expected reward</a:t>
+            </a:r>
+            <a:r>
+              <a:rPr lang="en-US" dirty="0"/>
+              <a:t>.</a:t>
+            </a:r>
+          </a:p>
+        </p:txBody>
+      </p:sp>
+      <p:cxnSp>
+        <p:nvCxnSpPr>
+          <p:cNvPr id="24" name="Straight Arrow Connector 23">
+            <a:extLst>
+              <a:ext uri="{FF2B5EF4-FFF2-40B4-BE49-F238E27FC236}">
+                <a16:creationId xmlns:a16="http://schemas.microsoft.com/office/drawing/2014/main" id="{3EDCAFF6-63D1-42B4-A966-9370771BAAF7}"/>
+              </a:ext>
+            </a:extLst>
+          </p:cNvPr>
+          <p:cNvCxnSpPr>
+            <a:cxnSpLocks/>
+            <a:stCxn id="8" idx="6"/>
+            <a:endCxn id="36" idx="2"/>
+          </p:cNvCxnSpPr>
+          <p:nvPr/>
+        </p:nvCxnSpPr>
+        <p:spPr>
+          <a:xfrm>
+            <a:off x="5060272" y="953442"/>
+            <a:ext cx="2417684" cy="3012256"/>
+          </a:xfrm>
+          <a:prstGeom prst="straightConnector1">
+            <a:avLst/>
+          </a:prstGeom>
+          <a:ln>
+            <a:tailEnd type="triangle"/>
+          </a:ln>
+        </p:spPr>
+        <p:style>
+          <a:lnRef idx="1">
+            <a:schemeClr val="accent1"/>
+          </a:lnRef>
+          <a:fillRef idx="0">
+            <a:schemeClr val="accent1"/>
+          </a:fillRef>
+          <a:effectRef idx="0">
+            <a:schemeClr val="accent1"/>
+          </a:effectRef>
+          <a:fontRef idx="minor">
+            <a:schemeClr val="tx1"/>
+          </a:fontRef>
+        </p:style>
+      </p:cxnSp>
+      <p:sp>
+        <p:nvSpPr>
+          <p:cNvPr id="36" name="Oval 35">
+            <a:extLst>
+              <a:ext uri="{FF2B5EF4-FFF2-40B4-BE49-F238E27FC236}">
+                <a16:creationId xmlns:a16="http://schemas.microsoft.com/office/drawing/2014/main" id="{2603DFB7-06B0-41AB-AE68-59023DD2FA3D}"/>
+              </a:ext>
+            </a:extLst>
+          </p:cNvPr>
+          <p:cNvSpPr/>
+          <p:nvPr/>
+        </p:nvSpPr>
+        <p:spPr>
+          <a:xfrm>
+            <a:off x="7477956" y="3335383"/>
+            <a:ext cx="1233996" cy="1260629"/>
+          </a:xfrm>
+          <a:prstGeom prst="ellipse">
+            <a:avLst/>
+          </a:prstGeom>
+          <a:noFill/>
+        </p:spPr>
+        <p:style>
+          <a:lnRef idx="2">
+            <a:schemeClr val="accent1">
+              <a:shade val="50000"/>
+            </a:schemeClr>
+          </a:lnRef>
+          <a:fillRef idx="1">
+            <a:schemeClr val="accent1"/>
+          </a:fillRef>
+          <a:effectRef idx="0">
+            <a:schemeClr val="accent1"/>
+          </a:effectRef>
+          <a:fontRef idx="minor">
+            <a:schemeClr val="lt1"/>
+          </a:fontRef>
+        </p:style>
+        <p:txBody>
+          <a:bodyPr rtlCol="0" anchor="ctr"/>
+          <a:lstStyle/>
+          <a:p>
+            <a:pPr algn="ctr"/>
+            <a:endParaRPr lang="en-US"/>
+          </a:p>
+        </p:txBody>
+      </p:sp>
+      <p:sp>
+        <p:nvSpPr>
+          <p:cNvPr id="37" name="TextBox 36">
+            <a:extLst>
+              <a:ext uri="{FF2B5EF4-FFF2-40B4-BE49-F238E27FC236}">
+                <a16:creationId xmlns:a16="http://schemas.microsoft.com/office/drawing/2014/main" id="{6D6396D6-768E-41CC-A189-AF2E1B298E1C}"/>
+              </a:ext>
+            </a:extLst>
+          </p:cNvPr>
+          <p:cNvSpPr txBox="1"/>
+          <p:nvPr/>
+        </p:nvSpPr>
+        <p:spPr>
+          <a:xfrm rot="1894447">
+            <a:off x="6023236" y="1423986"/>
+            <a:ext cx="1485733" cy="523220"/>
+          </a:xfrm>
+          <a:prstGeom prst="rect">
+            <a:avLst/>
+          </a:prstGeom>
+          <a:noFill/>
+        </p:spPr>
+        <p:txBody>
+          <a:bodyPr wrap="square" rtlCol="0">
+            <a:spAutoFit/>
+          </a:bodyPr>
+          <a:lstStyle/>
+          <a:p>
+            <a:r>
+              <a:rPr lang="en-US" sz="1400" dirty="0"/>
+              <a:t>Play, lose round 2</a:t>
+            </a:r>
+          </a:p>
+          <a:p>
+            <a:r>
+              <a:rPr lang="en-US" sz="1400" dirty="0"/>
+              <a:t>P = 0.5</a:t>
+            </a:r>
+          </a:p>
+        </p:txBody>
+      </p:sp>
+      <p:sp>
+        <p:nvSpPr>
+          <p:cNvPr id="38" name="TextBox 37">
+            <a:extLst>
+              <a:ext uri="{FF2B5EF4-FFF2-40B4-BE49-F238E27FC236}">
+                <a16:creationId xmlns:a16="http://schemas.microsoft.com/office/drawing/2014/main" id="{73D49CFE-77DB-4FFD-B213-289F66F98F8A}"/>
+              </a:ext>
+            </a:extLst>
+          </p:cNvPr>
+          <p:cNvSpPr txBox="1"/>
+          <p:nvPr/>
+        </p:nvSpPr>
+        <p:spPr>
+          <a:xfrm>
+            <a:off x="7593999" y="3596365"/>
+            <a:ext cx="1233996" cy="738664"/>
+          </a:xfrm>
+          <a:prstGeom prst="rect">
+            <a:avLst/>
+          </a:prstGeom>
+          <a:noFill/>
+        </p:spPr>
+        <p:txBody>
+          <a:bodyPr wrap="square" rtlCol="0">
+            <a:spAutoFit/>
+          </a:bodyPr>
+          <a:lstStyle/>
+          <a:p>
+            <a:r>
+              <a:rPr lang="en-US" sz="1400" b="1" dirty="0"/>
+              <a:t>State 6</a:t>
+            </a:r>
+          </a:p>
+          <a:p>
+            <a:r>
+              <a:rPr lang="en-US" sz="1400" dirty="0"/>
+              <a:t>Won, No play</a:t>
+            </a:r>
+          </a:p>
+          <a:p>
+            <a:r>
+              <a:rPr lang="en-US" sz="1400" dirty="0"/>
+              <a:t>Reward=10</a:t>
+            </a:r>
+          </a:p>
+        </p:txBody>
+      </p:sp>
+    </p:spTree>
+    <p:extLst>
+      <p:ext uri="{BB962C8B-B14F-4D97-AF65-F5344CB8AC3E}">
+        <p14:creationId xmlns:p14="http://schemas.microsoft.com/office/powerpoint/2010/main" val="3946811461"/>
+      </p:ext>
+    </p:extLst>
+  </p:cSld>
+  <p:clrMapOvr>
+    <a:masterClrMapping/>
+  </p:clrMapOvr>
+</p:sld>
+</file>
+
 <file path=ppt/theme/theme1.xml><?xml version="1.0" encoding="utf-8"?>
 <a:theme xmlns:a="http://schemas.openxmlformats.org/drawingml/2006/main" name="Office Theme">
   <a:themeElements>
